--- a/assets/presentations/accessibility-coaching-series-fr.pptx
+++ b/assets/presentations/accessibility-coaching-series-fr.pptx
@@ -365,7 +365,7 @@
           <a:p>
             <a:fld id="{A1010D5C-3B3A-214D-8AA9-7907A42D725C}" type="datetimeFigureOut">
               <a:rPr lang="en-US" smtClean="0"/>
-              <a:t>2/12/2020</a:t>
+              <a:t>2/14/2020</a:t>
             </a:fld>
             <a:endParaRPr lang="en-US"/>
           </a:p>
@@ -3404,7 +3404,7 @@
           <a:p>
             <a:fld id="{3D7F65E2-3398-4754-8523-5D0CD3E80B37}" type="datetime1">
               <a:rPr lang="en-US" smtClean="0"/>
-              <a:t>2/12/2020</a:t>
+              <a:t>2/14/2020</a:t>
             </a:fld>
             <a:endParaRPr lang="en-US"/>
           </a:p>
@@ -3572,7 +3572,7 @@
           <a:p>
             <a:fld id="{57939F82-55F2-4335-B384-EF7E00AE47BA}" type="datetime1">
               <a:rPr lang="en-US" smtClean="0"/>
-              <a:t>2/12/2020</a:t>
+              <a:t>2/14/2020</a:t>
             </a:fld>
             <a:endParaRPr lang="en-US"/>
           </a:p>
@@ -3750,7 +3750,7 @@
           <a:p>
             <a:fld id="{AC7A659E-30BA-4B16-8DFF-E2A81B33D6C7}" type="datetime1">
               <a:rPr lang="en-US" smtClean="0"/>
-              <a:t>2/12/2020</a:t>
+              <a:t>2/14/2020</a:t>
             </a:fld>
             <a:endParaRPr lang="en-US"/>
           </a:p>
@@ -3920,7 +3920,7 @@
           <a:p>
             <a:fld id="{C74D20E7-249E-4005-AA44-3E62AD5CF020}" type="datetime1">
               <a:rPr lang="en-US" smtClean="0"/>
-              <a:t>2/12/2020</a:t>
+              <a:t>2/14/2020</a:t>
             </a:fld>
             <a:endParaRPr lang="en-US"/>
           </a:p>
@@ -4165,7 +4165,7 @@
           <a:p>
             <a:fld id="{1BB10FE4-0FC8-4FBE-B784-B276ACD4407B}" type="datetime1">
               <a:rPr lang="en-US" smtClean="0"/>
-              <a:t>2/12/2020</a:t>
+              <a:t>2/14/2020</a:t>
             </a:fld>
             <a:endParaRPr lang="en-US"/>
           </a:p>
@@ -4450,7 +4450,7 @@
           <a:p>
             <a:fld id="{8417D587-4E35-4BFA-A845-2B5831FF224B}" type="datetime1">
               <a:rPr lang="en-US" smtClean="0"/>
-              <a:t>2/12/2020</a:t>
+              <a:t>2/14/2020</a:t>
             </a:fld>
             <a:endParaRPr lang="en-US"/>
           </a:p>
@@ -4869,7 +4869,7 @@
           <a:p>
             <a:fld id="{4B9B59C1-19B6-43F6-A8C4-6A157B65B29D}" type="datetime1">
               <a:rPr lang="en-US" smtClean="0"/>
-              <a:t>2/12/2020</a:t>
+              <a:t>2/14/2020</a:t>
             </a:fld>
             <a:endParaRPr lang="en-US"/>
           </a:p>
@@ -4986,7 +4986,7 @@
           <a:p>
             <a:fld id="{35C37CC3-1EEB-4495-B6FA-A5C8BAC141EA}" type="datetime1">
               <a:rPr lang="en-US" smtClean="0"/>
-              <a:t>2/12/2020</a:t>
+              <a:t>2/14/2020</a:t>
             </a:fld>
             <a:endParaRPr lang="en-US"/>
           </a:p>
@@ -5081,7 +5081,7 @@
           <a:p>
             <a:fld id="{D0375EA3-C547-4758-9E35-320479A1FC2D}" type="datetime1">
               <a:rPr lang="en-US" smtClean="0"/>
-              <a:t>2/12/2020</a:t>
+              <a:t>2/14/2020</a:t>
             </a:fld>
             <a:endParaRPr lang="en-US"/>
           </a:p>
@@ -5356,7 +5356,7 @@
           <a:p>
             <a:fld id="{61D709C6-E83E-420D-8EAD-F7100CDE1B92}" type="datetime1">
               <a:rPr lang="en-US" smtClean="0"/>
-              <a:t>2/12/2020</a:t>
+              <a:t>2/14/2020</a:t>
             </a:fld>
             <a:endParaRPr lang="en-US"/>
           </a:p>
@@ -5611,7 +5611,7 @@
           <a:p>
             <a:fld id="{9B300135-A638-4BFC-B897-AD24505D5345}" type="datetime1">
               <a:rPr lang="en-US" smtClean="0"/>
-              <a:t>2/12/2020</a:t>
+              <a:t>2/14/2020</a:t>
             </a:fld>
             <a:endParaRPr lang="en-US"/>
           </a:p>
@@ -5830,7 +5830,7 @@
           <a:p>
             <a:fld id="{34370556-0E02-41F1-97FC-AC3026481A77}" type="datetime1">
               <a:rPr lang="en-US" smtClean="0"/>
-              <a:t>2/12/2020</a:t>
+              <a:t>2/14/2020</a:t>
             </a:fld>
             <a:endParaRPr lang="en-US" dirty="0"/>
           </a:p>
@@ -7674,7 +7674,7 @@
       </p:sp>
       <p:pic>
         <p:nvPicPr>
-          <p:cNvPr id="11" name="Picture 10">
+          <p:cNvPr id="11" name="Picture 10" descr="Exemple d'un bilar de projet qui utilise les couleurs rouge, jaune et vert.">
             <a:extLst>
               <a:ext uri="{FF2B5EF4-FFF2-40B4-BE49-F238E27FC236}">
                 <a16:creationId xmlns:a16="http://schemas.microsoft.com/office/drawing/2014/main" id="{D7615E80-BBCC-4F59-9EDF-EB8691AEED15}"/>
@@ -7708,7 +7708,7 @@
       </p:pic>
       <p:pic>
         <p:nvPicPr>
-          <p:cNvPr id="12" name="Picture 11">
+          <p:cNvPr id="12" name="Picture 11" descr="Exemple du bilan de projet pour quelqu'un de daltonien.">
             <a:extLst>
               <a:ext uri="{FF2B5EF4-FFF2-40B4-BE49-F238E27FC236}">
                 <a16:creationId xmlns:a16="http://schemas.microsoft.com/office/drawing/2014/main" id="{5ACC5D00-C76B-4A43-83A9-7CA313475046}"/>
@@ -11600,7 +11600,7 @@
       </p:sp>
       <p:sp>
         <p:nvSpPr>
-          <p:cNvPr id="11" name="AutoShape 8">
+          <p:cNvPr id="11" name="AutoShape 8" descr="Logo ">
             <a:extLst>
               <a:ext uri="{FF2B5EF4-FFF2-40B4-BE49-F238E27FC236}">
                 <a16:creationId xmlns:a16="http://schemas.microsoft.com/office/drawing/2014/main" id="{B1E3EC55-1F4E-4C68-B51C-1F34350FC620}"/>
@@ -11649,7 +11649,7 @@
       </p:sp>
       <p:pic>
         <p:nvPicPr>
-          <p:cNvPr id="2" name="Picture 1"/>
+          <p:cNvPr id="2" name="Picture 1" descr="Logo de la Loi canadienne sur l’accessibilité "/>
           <p:cNvPicPr>
             <a:picLocks noChangeAspect="1"/>
           </p:cNvPicPr>
@@ -18662,33 +18662,40 @@
           <a:p>
             <a:pPr algn="l" rtl="0"/>
             <a:r>
-              <a:rPr lang="fr-ca" sz="1400" b="0" i="0" u="none" baseline="0" dirty="0"/>
-              <a:t>Site Web : </a:t>
-            </a:r>
-            <a:r>
               <a:rPr lang="fr-ca" sz="1400" b="0" i="0" u="none" baseline="0" dirty="0">
                 <a:hlinkClick r:id="rId5"/>
               </a:rPr>
-              <a:t>http://iservice.prv/accessibility</a:t>
+              <a:t>Site </a:t>
+            </a:r>
+            <a:r>
+              <a:rPr lang="fr-ca" sz="1400" b="0" i="0" u="none" baseline="0" dirty="0" smtClean="0">
+                <a:hlinkClick r:id="rId5"/>
+              </a:rPr>
+              <a:t>Web</a:t>
             </a:r>
             <a:endParaRPr lang="fr-ca" sz="1400" dirty="0"/>
           </a:p>
           <a:p>
             <a:pPr algn="l" rtl="0"/>
             <a:r>
+              <a:rPr lang="fr-ca" sz="1400" b="0" i="0" u="none" baseline="0" dirty="0" smtClean="0"/>
+              <a:t>Envoyez </a:t>
+            </a:r>
+            <a:r>
               <a:rPr lang="fr-ca" sz="1400" b="0" i="0" u="none" baseline="0" dirty="0"/>
-              <a:t>Envoyez un courriel à </a:t>
-            </a:r>
-            <a:r>
-              <a:rPr lang="fr-ca" sz="1400" b="0" i="0" u="none" baseline="0" dirty="0">
+              <a:t>un </a:t>
+            </a:r>
+            <a:r>
+              <a:rPr lang="fr-ca" sz="1400" b="0" i="0" u="none" baseline="0" dirty="0" smtClean="0">
                 <a:hlinkClick r:id="rId6"/>
               </a:rPr>
-              <a:t>EDSC.ACCESSIBILITE-ACCESSIBILITY.ESDC@hrsdc-rhdcc.gc.ca</a:t>
-            </a:r>
-            <a:r>
-              <a:rPr lang="fr-ca" sz="1400" b="0" i="0" u="none" baseline="0" dirty="0"/>
-              <a:t> ou </a:t>
-            </a:r>
+              <a:t>courriel</a:t>
+            </a:r>
+            <a:r>
+              <a:rPr lang="fr-ca" sz="1400" b="0" i="0" u="none" baseline="0" dirty="0" smtClean="0"/>
+              <a:t> </a:t>
+            </a:r>
+            <a:endParaRPr lang="fr-ca" sz="1400" b="0" i="0" u="none" baseline="0" dirty="0"/>
           </a:p>
           <a:p>
             <a:pPr algn="l" rtl="0"/>
@@ -18704,10 +18711,7 @@
               <a:rPr lang="fr-ca" sz="1400" b="0" i="0" u="none" baseline="0" dirty="0" smtClean="0"/>
               <a:t>819-654-1071</a:t>
             </a:r>
-            <a:r>
-              <a:rPr lang="fr-ca" sz="1400" b="0" i="0" u="none" baseline="0" dirty="0"/>
-              <a:t>.</a:t>
-            </a:r>
+            <a:endParaRPr lang="fr-ca" sz="1400" b="0" i="0" u="none" baseline="0" dirty="0"/>
           </a:p>
         </p:txBody>
       </p:sp>
@@ -19625,7 +19629,7 @@
       </p:sp>
       <p:pic>
         <p:nvPicPr>
-          <p:cNvPr id="5" name="Picture 4"/>
+          <p:cNvPr id="5" name="Picture 4" descr="Clavier avec un bouton accessibilité"/>
           <p:cNvPicPr>
             <a:picLocks noChangeAspect="1"/>
           </p:cNvPicPr>
@@ -23681,6 +23685,15 @@
 </file>
 
 <file path=customXml/item1.xml><?xml version="1.0" encoding="utf-8"?>
+<?mso-contentType ?>
+<FormTemplates xmlns="http://schemas.microsoft.com/sharepoint/v3/contenttype/forms">
+  <Display>DocumentLibraryForm</Display>
+  <Edit>DocumentLibraryForm</Edit>
+  <New>DocumentLibraryForm</New>
+</FormTemplates>
+</file>
+
+<file path=customXml/item2.xml><?xml version="1.0" encoding="utf-8"?>
 <ct:contentTypeSchema xmlns:ct="http://schemas.microsoft.com/office/2006/metadata/contentType" xmlns:ma="http://schemas.microsoft.com/office/2006/metadata/properties/metaAttributes" ct:_="" ma:_="" ma:contentTypeName="ContTruc" ma:contentTypeID="0x0101004B9DE00CD6BF494E8621095E7F111E35004F74A9B650681B41AF60680931644FF8" ma:contentTypeVersion="38" ma:contentTypeDescription="ContTrucD" ma:contentTypeScope="" ma:versionID="06d894131a5b51e5018a3d3b80897f3d">
   <xsd:schema xmlns:xsd="http://www.w3.org/2001/XMLSchema" xmlns:xs="http://www.w3.org/2001/XMLSchema" xmlns:p="http://schemas.microsoft.com/office/2006/metadata/properties" xmlns:ns1="http://schemas.microsoft.com/sharepoint/v3" xmlns:ns2="4f810ac0-7940-4b47-8510-ccc18747f341" xmlns:ns3="aeabe285-28c2-4b4a-a8cd-631679229c94" xmlns:ns4="http://schemas.microsoft.com/sharepoint/v4" targetNamespace="http://schemas.microsoft.com/office/2006/metadata/properties" ma:root="true" ma:fieldsID="457b7fe014ac0dad4a48e1791a399ad9" ns1:_="" ns2:_="" ns3:_="" ns4:_="">
     <xsd:import namespace="http://schemas.microsoft.com/sharepoint/v3"/>
@@ -23945,15 +23958,6 @@
 </ct:contentTypeSchema>
 </file>
 
-<file path=customXml/item2.xml><?xml version="1.0" encoding="utf-8"?>
-<?mso-contentType ?>
-<FormTemplates xmlns="http://schemas.microsoft.com/sharepoint/v3/contenttype/forms">
-  <Display>DocumentLibraryForm</Display>
-  <Edit>DocumentLibraryForm</Edit>
-  <New>DocumentLibraryForm</New>
-</FormTemplates>
-</file>
-
 <file path=customXml/item3.xml><?xml version="1.0" encoding="utf-8"?>
 <p:properties xmlns:p="http://schemas.microsoft.com/office/2006/metadata/properties" xmlns:xsi="http://www.w3.org/2001/XMLSchema-instance" xmlns:pc="http://schemas.microsoft.com/office/infopath/2007/PartnerControls">
   <documentManagement>
@@ -23980,6 +23984,14 @@
 </file>
 
 <file path=customXml/itemProps1.xml><?xml version="1.0" encoding="utf-8"?>
+<ds:datastoreItem xmlns:ds="http://schemas.openxmlformats.org/officeDocument/2006/customXml" ds:itemID="{25C2AAAC-0802-4A74-B5F8-755C679133E1}">
+  <ds:schemaRefs>
+    <ds:schemaRef ds:uri="http://schemas.microsoft.com/sharepoint/v3/contenttype/forms"/>
+  </ds:schemaRefs>
+</ds:datastoreItem>
+</file>
+
+<file path=customXml/itemProps2.xml><?xml version="1.0" encoding="utf-8"?>
 <ds:datastoreItem xmlns:ds="http://schemas.openxmlformats.org/officeDocument/2006/customXml" ds:itemID="{EE2E1555-141A-4510-9205-E997126A3EFA}">
   <ds:schemaRefs>
     <ds:schemaRef ds:uri="http://schemas.microsoft.com/office/2006/metadata/contentType"/>
@@ -24000,28 +24012,20 @@
 </ds:datastoreItem>
 </file>
 
-<file path=customXml/itemProps2.xml><?xml version="1.0" encoding="utf-8"?>
-<ds:datastoreItem xmlns:ds="http://schemas.openxmlformats.org/officeDocument/2006/customXml" ds:itemID="{25C2AAAC-0802-4A74-B5F8-755C679133E1}">
-  <ds:schemaRefs>
-    <ds:schemaRef ds:uri="http://schemas.microsoft.com/sharepoint/v3/contenttype/forms"/>
-  </ds:schemaRefs>
-</ds:datastoreItem>
-</file>
-
 <file path=customXml/itemProps3.xml><?xml version="1.0" encoding="utf-8"?>
 <ds:datastoreItem xmlns:ds="http://schemas.openxmlformats.org/officeDocument/2006/customXml" ds:itemID="{E94B50EA-21EA-40F8-B800-FB51F2A6C1D1}">
   <ds:schemaRefs>
+    <ds:schemaRef ds:uri="http://schemas.microsoft.com/office/2006/metadata/properties"/>
     <ds:schemaRef ds:uri="http://purl.org/dc/elements/1.1/"/>
-    <ds:schemaRef ds:uri="http://schemas.microsoft.com/office/2006/metadata/properties"/>
-    <ds:schemaRef ds:uri="4f810ac0-7940-4b47-8510-ccc18747f341"/>
     <ds:schemaRef ds:uri="http://schemas.microsoft.com/sharepoint/v3"/>
-    <ds:schemaRef ds:uri="http://schemas.microsoft.com/sharepoint/v4"/>
+    <ds:schemaRef ds:uri="http://schemas.microsoft.com/office/2006/documentManagement/types"/>
     <ds:schemaRef ds:uri="http://purl.org/dc/terms/"/>
-    <ds:schemaRef ds:uri="http://schemas.microsoft.com/office/2006/documentManagement/types"/>
+    <ds:schemaRef ds:uri="http://schemas.openxmlformats.org/package/2006/metadata/core-properties"/>
     <ds:schemaRef ds:uri="http://purl.org/dc/dcmitype/"/>
     <ds:schemaRef ds:uri="http://schemas.microsoft.com/office/infopath/2007/PartnerControls"/>
-    <ds:schemaRef ds:uri="http://schemas.openxmlformats.org/package/2006/metadata/core-properties"/>
     <ds:schemaRef ds:uri="aeabe285-28c2-4b4a-a8cd-631679229c94"/>
+    <ds:schemaRef ds:uri="http://schemas.microsoft.com/sharepoint/v4"/>
+    <ds:schemaRef ds:uri="4f810ac0-7940-4b47-8510-ccc18747f341"/>
     <ds:schemaRef ds:uri="http://www.w3.org/XML/1998/namespace"/>
   </ds:schemaRefs>
 </ds:datastoreItem>
